--- a/doc/PPT/软件工程项目介绍PPT_2.2.pptx
+++ b/doc/PPT/软件工程项目介绍PPT_2.2.pptx
@@ -1286,7 +1286,7 @@
           <a:p>
             <a:fld id="{CE07FAAA-C22F-4670-A5A1-FE163BFFB041}" type="datetimeFigureOut">
               <a:rPr lang="zh-CN" altLang="en-US" smtClean="0"/>
-              <a:t>2023/10/31</a:t>
+              <a:t>2023/11/7</a:t>
             </a:fld>
             <a:endParaRPr lang="zh-CN" altLang="en-US"/>
           </a:p>
@@ -1484,7 +1484,7 @@
           <a:p>
             <a:fld id="{CE07FAAA-C22F-4670-A5A1-FE163BFFB041}" type="datetimeFigureOut">
               <a:rPr lang="zh-CN" altLang="en-US" smtClean="0"/>
-              <a:t>2023/10/31</a:t>
+              <a:t>2023/11/7</a:t>
             </a:fld>
             <a:endParaRPr lang="zh-CN" altLang="en-US"/>
           </a:p>
@@ -1692,7 +1692,7 @@
           <a:p>
             <a:fld id="{CE07FAAA-C22F-4670-A5A1-FE163BFFB041}" type="datetimeFigureOut">
               <a:rPr lang="zh-CN" altLang="en-US" smtClean="0"/>
-              <a:t>2023/10/31</a:t>
+              <a:t>2023/11/7</a:t>
             </a:fld>
             <a:endParaRPr lang="zh-CN" altLang="en-US"/>
           </a:p>
@@ -1890,7 +1890,7 @@
           <a:p>
             <a:fld id="{CE07FAAA-C22F-4670-A5A1-FE163BFFB041}" type="datetimeFigureOut">
               <a:rPr lang="zh-CN" altLang="en-US" smtClean="0"/>
-              <a:t>2023/10/31</a:t>
+              <a:t>2023/11/7</a:t>
             </a:fld>
             <a:endParaRPr lang="zh-CN" altLang="en-US"/>
           </a:p>
@@ -2165,7 +2165,7 @@
           <a:p>
             <a:fld id="{CE07FAAA-C22F-4670-A5A1-FE163BFFB041}" type="datetimeFigureOut">
               <a:rPr lang="zh-CN" altLang="en-US" smtClean="0"/>
-              <a:t>2023/10/31</a:t>
+              <a:t>2023/11/7</a:t>
             </a:fld>
             <a:endParaRPr lang="zh-CN" altLang="en-US"/>
           </a:p>
@@ -2430,7 +2430,7 @@
           <a:p>
             <a:fld id="{CE07FAAA-C22F-4670-A5A1-FE163BFFB041}" type="datetimeFigureOut">
               <a:rPr lang="zh-CN" altLang="en-US" smtClean="0"/>
-              <a:t>2023/10/31</a:t>
+              <a:t>2023/11/7</a:t>
             </a:fld>
             <a:endParaRPr lang="zh-CN" altLang="en-US"/>
           </a:p>
@@ -2842,7 +2842,7 @@
           <a:p>
             <a:fld id="{CE07FAAA-C22F-4670-A5A1-FE163BFFB041}" type="datetimeFigureOut">
               <a:rPr lang="zh-CN" altLang="en-US" smtClean="0"/>
-              <a:t>2023/10/31</a:t>
+              <a:t>2023/11/7</a:t>
             </a:fld>
             <a:endParaRPr lang="zh-CN" altLang="en-US"/>
           </a:p>
@@ -2983,7 +2983,7 @@
           <a:p>
             <a:fld id="{CE07FAAA-C22F-4670-A5A1-FE163BFFB041}" type="datetimeFigureOut">
               <a:rPr lang="zh-CN" altLang="en-US" smtClean="0"/>
-              <a:t>2023/10/31</a:t>
+              <a:t>2023/11/7</a:t>
             </a:fld>
             <a:endParaRPr lang="zh-CN" altLang="en-US"/>
           </a:p>
@@ -3096,7 +3096,7 @@
           <a:p>
             <a:fld id="{CE07FAAA-C22F-4670-A5A1-FE163BFFB041}" type="datetimeFigureOut">
               <a:rPr lang="zh-CN" altLang="en-US" smtClean="0"/>
-              <a:t>2023/10/31</a:t>
+              <a:t>2023/11/7</a:t>
             </a:fld>
             <a:endParaRPr lang="zh-CN" altLang="en-US"/>
           </a:p>
@@ -3407,7 +3407,7 @@
           <a:p>
             <a:fld id="{CE07FAAA-C22F-4670-A5A1-FE163BFFB041}" type="datetimeFigureOut">
               <a:rPr lang="zh-CN" altLang="en-US" smtClean="0"/>
-              <a:t>2023/10/31</a:t>
+              <a:t>2023/11/7</a:t>
             </a:fld>
             <a:endParaRPr lang="zh-CN" altLang="en-US"/>
           </a:p>
@@ -3695,7 +3695,7 @@
           <a:p>
             <a:fld id="{CE07FAAA-C22F-4670-A5A1-FE163BFFB041}" type="datetimeFigureOut">
               <a:rPr lang="zh-CN" altLang="en-US" smtClean="0"/>
-              <a:t>2023/10/31</a:t>
+              <a:t>2023/11/7</a:t>
             </a:fld>
             <a:endParaRPr lang="zh-CN" altLang="en-US"/>
           </a:p>
@@ -3936,7 +3936,7 @@
           <a:p>
             <a:fld id="{CE07FAAA-C22F-4670-A5A1-FE163BFFB041}" type="datetimeFigureOut">
               <a:rPr lang="zh-CN" altLang="en-US" smtClean="0"/>
-              <a:t>2023/10/31</a:t>
+              <a:t>2023/11/7</a:t>
             </a:fld>
             <a:endParaRPr lang="zh-CN" altLang="en-US"/>
           </a:p>
@@ -28730,58 +28730,7 @@
                 <a:cs typeface="+mn-ea"/>
                 <a:sym typeface="+mn-lt"/>
               </a:rPr>
-              <a:t>修改项目计划书</a:t>
-            </a:r>
-            <a:endParaRPr lang="en-US" altLang="zh-CN" b="1" dirty="0">
-              <a:solidFill>
-                <a:schemeClr val="tx1">
-                  <a:lumMod val="75000"/>
-                  <a:lumOff val="25000"/>
-                </a:schemeClr>
-              </a:solidFill>
-              <a:latin typeface="宋体" panose="02010600030101010101" pitchFamily="2" charset="-122"/>
-              <a:ea typeface="宋体" panose="02010600030101010101" pitchFamily="2" charset="-122"/>
-              <a:cs typeface="+mn-ea"/>
-              <a:sym typeface="+mn-lt"/>
-            </a:endParaRPr>
-          </a:p>
-          <a:p>
-            <a:pPr marL="0" marR="0" lvl="0" indent="0" algn="ctr" defTabSz="914400" rtl="0" eaLnBrk="1" fontAlgn="auto" latinLnBrk="0" hangingPunct="1">
-              <a:lnSpc>
-                <a:spcPct val="150000"/>
-              </a:lnSpc>
-              <a:spcBef>
-                <a:spcPts val="0"/>
-              </a:spcBef>
-              <a:spcAft>
-                <a:spcPts val="0"/>
-              </a:spcAft>
-              <a:buClrTx/>
-              <a:buSzTx/>
-              <a:buFontTx/>
-              <a:buNone/>
-              <a:defRPr/>
-            </a:pPr>
-            <a:r>
-              <a:rPr kumimoji="0" lang="zh-CN" altLang="en-US" b="1" i="0" u="none" strike="noStrike" kern="1200" cap="none" spc="0" normalizeH="0" baseline="0" noProof="0" dirty="0">
-                <a:ln>
-                  <a:noFill/>
-                </a:ln>
-                <a:solidFill>
-                  <a:schemeClr val="tx1">
-                    <a:lumMod val="75000"/>
-                    <a:lumOff val="25000"/>
-                  </a:schemeClr>
-                </a:solidFill>
-                <a:effectLst/>
-                <a:uLnTx/>
-                <a:uFillTx/>
-                <a:latin typeface="宋体" panose="02010600030101010101" pitchFamily="2" charset="-122"/>
-                <a:ea typeface="宋体" panose="02010600030101010101" pitchFamily="2" charset="-122"/>
-                <a:cs typeface="+mn-ea"/>
-                <a:sym typeface="+mn-lt"/>
-              </a:rPr>
-              <a:t>制作甘特图</a:t>
+              <a:t>更新进度、信息、绘画图表</a:t>
             </a:r>
             <a:endParaRPr kumimoji="0" lang="en-US" altLang="zh-CN" b="1" i="0" u="none" strike="noStrike" kern="1200" cap="none" spc="0" normalizeH="0" baseline="0" noProof="0" dirty="0">
               <a:ln>
@@ -29083,7 +29032,7 @@
                 <a:ea typeface="宋体" panose="02010600030101010101" pitchFamily="2" charset="-122"/>
                 <a:cs typeface="Times New Roman" panose="02020603050405020304" pitchFamily="18" charset="0"/>
               </a:rPr>
-              <a:t>根据项目计划书及项目进度</a:t>
+              <a:t>根据可行性分析及项目进度</a:t>
             </a:r>
             <a:r>
               <a:rPr lang="zh-CN" altLang="en-US" b="1" dirty="0">
@@ -29375,7 +29324,7 @@
         <p:spPr>
           <a:xfrm>
             <a:off x="6291619" y="3384856"/>
-            <a:ext cx="2396630" cy="1689373"/>
+            <a:ext cx="2396630" cy="442878"/>
           </a:xfrm>
           <a:prstGeom prst="rect">
             <a:avLst/>
@@ -29423,7 +29372,7 @@
                 <a:cs typeface="+mn-ea"/>
                 <a:sym typeface="+mn-lt"/>
               </a:rPr>
-              <a:t>项目管理工具资源、计划模板的提供，配置管理文档的编写与整理</a:t>
+              <a:t>可行性分析补充</a:t>
             </a:r>
             <a:endParaRPr kumimoji="0" lang="en-US" b="1" i="0" u="none" strike="noStrike" kern="1200" cap="none" spc="0" normalizeH="0" baseline="0" noProof="0" dirty="0">
               <a:ln>
@@ -30363,7 +30312,7 @@
                 <a:cs typeface="Times New Roman" panose="02020603050405020304" pitchFamily="18" charset="0"/>
                 <a:sym typeface="+mn-lt"/>
               </a:rPr>
-              <a:t>收集资料并编写初版项目计划书</a:t>
+              <a:t>收集资料并编写初版可行性</a:t>
             </a:r>
             <a:r>
               <a:rPr lang="zh-CN" altLang="en-US" b="1" dirty="0">
@@ -30378,7 +30327,7 @@
                 <a:cs typeface="Times New Roman" panose="02020603050405020304" pitchFamily="18" charset="0"/>
                 <a:sym typeface="+mn-lt"/>
               </a:rPr>
-              <a:t>、</a:t>
+              <a:t>分析、</a:t>
             </a:r>
             <a:r>
               <a:rPr kumimoji="0" lang="zh-CN" altLang="en-US" b="1" i="0" u="none" strike="noStrike" kern="1200" cap="none" spc="0" normalizeH="0" baseline="0" noProof="0" dirty="0">

--- a/doc/PPT/软件工程项目介绍PPT_2.2.pptx
+++ b/doc/PPT/软件工程项目介绍PPT_2.2.pptx
@@ -24,8 +24,9 @@
     <p:sldId id="712" r:id="rId18"/>
     <p:sldId id="645" r:id="rId19"/>
     <p:sldId id="713" r:id="rId20"/>
-    <p:sldId id="648" r:id="rId21"/>
-    <p:sldId id="709" r:id="rId22"/>
+    <p:sldId id="723" r:id="rId21"/>
+    <p:sldId id="648" r:id="rId22"/>
+    <p:sldId id="709" r:id="rId23"/>
   </p:sldIdLst>
   <p:sldSz cx="12192000" cy="6858000"/>
   <p:notesSz cx="6858000" cy="9144000"/>
@@ -135,7 +136,7 @@
 <file path=ppt/revisionInfo.xml><?xml version="1.0" encoding="utf-8"?>
 <p1510:revInfo xmlns:a="http://schemas.openxmlformats.org/drawingml/2006/main" xmlns:r="http://schemas.openxmlformats.org/officeDocument/2006/relationships" xmlns:p1510="http://schemas.microsoft.com/office/powerpoint/2015/10/main">
   <p1510:revLst>
-    <p1510:client id="{82F1D5D2-16EF-40BA-A596-2A0AB81C9FF0}" v="28" dt="2023-10-31T04:20:05.134"/>
+    <p1510:client id="{82F1D5D2-16EF-40BA-A596-2A0AB81C9FF0}" v="33" dt="2023-11-07T07:28:55.147"/>
   </p1510:revLst>
 </p1510:revInfo>
 </file>
@@ -600,7 +601,7 @@
   <pc:docChgLst>
     <pc:chgData name="星榜 阮" userId="28304402c46bfd64" providerId="LiveId" clId="{82F1D5D2-16EF-40BA-A596-2A0AB81C9FF0}"/>
     <pc:docChg chg="undo custSel addSld delSld modSld sldOrd">
-      <pc:chgData name="星榜 阮" userId="28304402c46bfd64" providerId="LiveId" clId="{82F1D5D2-16EF-40BA-A596-2A0AB81C9FF0}" dt="2023-10-31T04:20:42.445" v="523" actId="47"/>
+      <pc:chgData name="星榜 阮" userId="28304402c46bfd64" providerId="LiveId" clId="{82F1D5D2-16EF-40BA-A596-2A0AB81C9FF0}" dt="2023-11-07T07:29:41.255" v="546" actId="1076"/>
       <pc:docMkLst>
         <pc:docMk/>
       </pc:docMkLst>
@@ -865,6 +866,45 @@
         </pc:spChg>
       </pc:sldChg>
       <pc:sldChg chg="modSp mod">
+        <pc:chgData name="星榜 阮" userId="28304402c46bfd64" providerId="LiveId" clId="{82F1D5D2-16EF-40BA-A596-2A0AB81C9FF0}" dt="2023-11-07T07:29:41.255" v="546" actId="1076"/>
+        <pc:sldMkLst>
+          <pc:docMk/>
+          <pc:sldMk cId="1110252315" sldId="648"/>
+        </pc:sldMkLst>
+        <pc:spChg chg="mod">
+          <ac:chgData name="星榜 阮" userId="28304402c46bfd64" providerId="LiveId" clId="{82F1D5D2-16EF-40BA-A596-2A0AB81C9FF0}" dt="2023-11-07T07:29:34.114" v="545" actId="1076"/>
+          <ac:spMkLst>
+            <pc:docMk/>
+            <pc:sldMk cId="1110252315" sldId="648"/>
+            <ac:spMk id="4" creationId="{DE334D27-9141-4381-B210-2250A9ABA681}"/>
+          </ac:spMkLst>
+        </pc:spChg>
+        <pc:spChg chg="mod">
+          <ac:chgData name="星榜 阮" userId="28304402c46bfd64" providerId="LiveId" clId="{82F1D5D2-16EF-40BA-A596-2A0AB81C9FF0}" dt="2023-11-07T07:29:29.876" v="544" actId="1076"/>
+          <ac:spMkLst>
+            <pc:docMk/>
+            <pc:sldMk cId="1110252315" sldId="648"/>
+            <ac:spMk id="7" creationId="{0A3A743B-417A-4C58-A544-86099212F60F}"/>
+          </ac:spMkLst>
+        </pc:spChg>
+        <pc:spChg chg="mod">
+          <ac:chgData name="星榜 阮" userId="28304402c46bfd64" providerId="LiveId" clId="{82F1D5D2-16EF-40BA-A596-2A0AB81C9FF0}" dt="2023-11-07T07:29:25.785" v="543" actId="1076"/>
+          <ac:spMkLst>
+            <pc:docMk/>
+            <pc:sldMk cId="1110252315" sldId="648"/>
+            <ac:spMk id="10" creationId="{B99E5C12-C303-4FD2-8841-28FC0E5FBE0A}"/>
+          </ac:spMkLst>
+        </pc:spChg>
+        <pc:spChg chg="mod">
+          <ac:chgData name="星榜 阮" userId="28304402c46bfd64" providerId="LiveId" clId="{82F1D5D2-16EF-40BA-A596-2A0AB81C9FF0}" dt="2023-11-07T07:29:41.255" v="546" actId="1076"/>
+          <ac:spMkLst>
+            <pc:docMk/>
+            <pc:sldMk cId="1110252315" sldId="648"/>
+            <ac:spMk id="15" creationId="{DFE81184-B16A-DAB1-E5F9-F2C9EEDCA1A2}"/>
+          </ac:spMkLst>
+        </pc:spChg>
+      </pc:sldChg>
+      <pc:sldChg chg="modSp mod">
         <pc:chgData name="星榜 阮" userId="28304402c46bfd64" providerId="LiveId" clId="{82F1D5D2-16EF-40BA-A596-2A0AB81C9FF0}" dt="2023-10-31T03:44:11.368" v="6" actId="20577"/>
         <pc:sldMkLst>
           <pc:docMk/>
@@ -922,6 +962,21 @@
           <ac:spMkLst>
             <pc:docMk/>
             <pc:sldMk cId="2575207460" sldId="710"/>
+            <ac:spMk id="7" creationId="{98D63829-BEBB-6B47-B614-A6AFA52AF5F8}"/>
+          </ac:spMkLst>
+        </pc:spChg>
+      </pc:sldChg>
+      <pc:sldChg chg="modSp">
+        <pc:chgData name="星榜 阮" userId="28304402c46bfd64" providerId="LiveId" clId="{82F1D5D2-16EF-40BA-A596-2A0AB81C9FF0}" dt="2023-11-07T07:27:10.683" v="527" actId="20577"/>
+        <pc:sldMkLst>
+          <pc:docMk/>
+          <pc:sldMk cId="2663844609" sldId="713"/>
+        </pc:sldMkLst>
+        <pc:spChg chg="mod">
+          <ac:chgData name="星榜 阮" userId="28304402c46bfd64" providerId="LiveId" clId="{82F1D5D2-16EF-40BA-A596-2A0AB81C9FF0}" dt="2023-11-07T07:27:10.683" v="527" actId="20577"/>
+          <ac:spMkLst>
+            <pc:docMk/>
+            <pc:sldMk cId="2663844609" sldId="713"/>
             <ac:spMk id="7" creationId="{98D63829-BEBB-6B47-B614-A6AFA52AF5F8}"/>
           </ac:spMkLst>
         </pc:spChg>
@@ -1091,6 +1146,189 @@
           <pc:docMk/>
           <pc:sldMk cId="1046266380" sldId="723"/>
         </pc:sldMkLst>
+      </pc:sldChg>
+      <pc:sldChg chg="addSp delSp modSp add mod">
+        <pc:chgData name="星榜 阮" userId="28304402c46bfd64" providerId="LiveId" clId="{82F1D5D2-16EF-40BA-A596-2A0AB81C9FF0}" dt="2023-11-07T07:29:03.509" v="542" actId="962"/>
+        <pc:sldMkLst>
+          <pc:docMk/>
+          <pc:sldMk cId="1647112991" sldId="723"/>
+        </pc:sldMkLst>
+        <pc:spChg chg="del">
+          <ac:chgData name="星榜 阮" userId="28304402c46bfd64" providerId="LiveId" clId="{82F1D5D2-16EF-40BA-A596-2A0AB81C9FF0}" dt="2023-11-07T07:26:49.185" v="525" actId="478"/>
+          <ac:spMkLst>
+            <pc:docMk/>
+            <pc:sldMk cId="1647112991" sldId="723"/>
+            <ac:spMk id="4" creationId="{2817AB58-26E8-4C9D-8821-1C56E5E21CDD}"/>
+          </ac:spMkLst>
+        </pc:spChg>
+        <pc:spChg chg="del">
+          <ac:chgData name="星榜 阮" userId="28304402c46bfd64" providerId="LiveId" clId="{82F1D5D2-16EF-40BA-A596-2A0AB81C9FF0}" dt="2023-11-07T07:26:49.185" v="525" actId="478"/>
+          <ac:spMkLst>
+            <pc:docMk/>
+            <pc:sldMk cId="1647112991" sldId="723"/>
+            <ac:spMk id="5" creationId="{011B57BA-B655-4AE1-B077-8E24A580C63B}"/>
+          </ac:spMkLst>
+        </pc:spChg>
+        <pc:spChg chg="del">
+          <ac:chgData name="星榜 阮" userId="28304402c46bfd64" providerId="LiveId" clId="{82F1D5D2-16EF-40BA-A596-2A0AB81C9FF0}" dt="2023-11-07T07:26:53.298" v="526" actId="478"/>
+          <ac:spMkLst>
+            <pc:docMk/>
+            <pc:sldMk cId="1647112991" sldId="723"/>
+            <ac:spMk id="6" creationId="{77185641-A648-2B3F-726A-B01FBA4D5160}"/>
+          </ac:spMkLst>
+        </pc:spChg>
+        <pc:spChg chg="del">
+          <ac:chgData name="星榜 阮" userId="28304402c46bfd64" providerId="LiveId" clId="{82F1D5D2-16EF-40BA-A596-2A0AB81C9FF0}" dt="2023-11-07T07:26:49.185" v="525" actId="478"/>
+          <ac:spMkLst>
+            <pc:docMk/>
+            <pc:sldMk cId="1647112991" sldId="723"/>
+            <ac:spMk id="7" creationId="{AFE91016-2FF8-4490-AF62-969099A4D4B2}"/>
+          </ac:spMkLst>
+        </pc:spChg>
+        <pc:spChg chg="del">
+          <ac:chgData name="星榜 阮" userId="28304402c46bfd64" providerId="LiveId" clId="{82F1D5D2-16EF-40BA-A596-2A0AB81C9FF0}" dt="2023-11-07T07:26:49.185" v="525" actId="478"/>
+          <ac:spMkLst>
+            <pc:docMk/>
+            <pc:sldMk cId="1647112991" sldId="723"/>
+            <ac:spMk id="8" creationId="{CA315514-1215-437B-90A1-CFAE83E9088E}"/>
+          </ac:spMkLst>
+        </pc:spChg>
+        <pc:spChg chg="del">
+          <ac:chgData name="星榜 阮" userId="28304402c46bfd64" providerId="LiveId" clId="{82F1D5D2-16EF-40BA-A596-2A0AB81C9FF0}" dt="2023-11-07T07:26:49.185" v="525" actId="478"/>
+          <ac:spMkLst>
+            <pc:docMk/>
+            <pc:sldMk cId="1647112991" sldId="723"/>
+            <ac:spMk id="10" creationId="{89F9AB65-2072-4510-BA3F-0B30623FCF6A}"/>
+          </ac:spMkLst>
+        </pc:spChg>
+        <pc:spChg chg="del">
+          <ac:chgData name="星榜 阮" userId="28304402c46bfd64" providerId="LiveId" clId="{82F1D5D2-16EF-40BA-A596-2A0AB81C9FF0}" dt="2023-11-07T07:26:49.185" v="525" actId="478"/>
+          <ac:spMkLst>
+            <pc:docMk/>
+            <pc:sldMk cId="1647112991" sldId="723"/>
+            <ac:spMk id="11" creationId="{69EA7029-C20A-4799-8876-287E5CD48210}"/>
+          </ac:spMkLst>
+        </pc:spChg>
+        <pc:spChg chg="del">
+          <ac:chgData name="星榜 阮" userId="28304402c46bfd64" providerId="LiveId" clId="{82F1D5D2-16EF-40BA-A596-2A0AB81C9FF0}" dt="2023-11-07T07:26:49.185" v="525" actId="478"/>
+          <ac:spMkLst>
+            <pc:docMk/>
+            <pc:sldMk cId="1647112991" sldId="723"/>
+            <ac:spMk id="13" creationId="{D6194EC4-FB63-411E-82B0-F75C29FCA3F4}"/>
+          </ac:spMkLst>
+        </pc:spChg>
+        <pc:spChg chg="del">
+          <ac:chgData name="星榜 阮" userId="28304402c46bfd64" providerId="LiveId" clId="{82F1D5D2-16EF-40BA-A596-2A0AB81C9FF0}" dt="2023-11-07T07:26:49.185" v="525" actId="478"/>
+          <ac:spMkLst>
+            <pc:docMk/>
+            <pc:sldMk cId="1647112991" sldId="723"/>
+            <ac:spMk id="14" creationId="{8CF505BA-E132-4927-8A78-6D690D5D5355}"/>
+          </ac:spMkLst>
+        </pc:spChg>
+        <pc:spChg chg="del">
+          <ac:chgData name="星榜 阮" userId="28304402c46bfd64" providerId="LiveId" clId="{82F1D5D2-16EF-40BA-A596-2A0AB81C9FF0}" dt="2023-11-07T07:26:49.185" v="525" actId="478"/>
+          <ac:spMkLst>
+            <pc:docMk/>
+            <pc:sldMk cId="1647112991" sldId="723"/>
+            <ac:spMk id="15" creationId="{06763588-ECE1-4E09-ADEF-762129845265}"/>
+          </ac:spMkLst>
+        </pc:spChg>
+        <pc:spChg chg="del">
+          <ac:chgData name="星榜 阮" userId="28304402c46bfd64" providerId="LiveId" clId="{82F1D5D2-16EF-40BA-A596-2A0AB81C9FF0}" dt="2023-11-07T07:26:49.185" v="525" actId="478"/>
+          <ac:spMkLst>
+            <pc:docMk/>
+            <pc:sldMk cId="1647112991" sldId="723"/>
+            <ac:spMk id="16" creationId="{44EE1AA7-E479-4114-AD4B-F0DFCAF584CC}"/>
+          </ac:spMkLst>
+        </pc:spChg>
+        <pc:spChg chg="del">
+          <ac:chgData name="星榜 阮" userId="28304402c46bfd64" providerId="LiveId" clId="{82F1D5D2-16EF-40BA-A596-2A0AB81C9FF0}" dt="2023-11-07T07:26:49.185" v="525" actId="478"/>
+          <ac:spMkLst>
+            <pc:docMk/>
+            <pc:sldMk cId="1647112991" sldId="723"/>
+            <ac:spMk id="17" creationId="{0BD2B7E5-E072-4DA3-9486-4517A7825B8E}"/>
+          </ac:spMkLst>
+        </pc:spChg>
+        <pc:spChg chg="del">
+          <ac:chgData name="星榜 阮" userId="28304402c46bfd64" providerId="LiveId" clId="{82F1D5D2-16EF-40BA-A596-2A0AB81C9FF0}" dt="2023-11-07T07:26:49.185" v="525" actId="478"/>
+          <ac:spMkLst>
+            <pc:docMk/>
+            <pc:sldMk cId="1647112991" sldId="723"/>
+            <ac:spMk id="18" creationId="{DCE2647E-59F1-4ECF-90DA-740733A57E5D}"/>
+          </ac:spMkLst>
+        </pc:spChg>
+        <pc:spChg chg="del">
+          <ac:chgData name="星榜 阮" userId="28304402c46bfd64" providerId="LiveId" clId="{82F1D5D2-16EF-40BA-A596-2A0AB81C9FF0}" dt="2023-11-07T07:26:49.185" v="525" actId="478"/>
+          <ac:spMkLst>
+            <pc:docMk/>
+            <pc:sldMk cId="1647112991" sldId="723"/>
+            <ac:spMk id="19" creationId="{6124AB90-F5A0-4B6A-BAD8-E3183E76FF1D}"/>
+          </ac:spMkLst>
+        </pc:spChg>
+        <pc:spChg chg="del">
+          <ac:chgData name="星榜 阮" userId="28304402c46bfd64" providerId="LiveId" clId="{82F1D5D2-16EF-40BA-A596-2A0AB81C9FF0}" dt="2023-11-07T07:26:49.185" v="525" actId="478"/>
+          <ac:spMkLst>
+            <pc:docMk/>
+            <pc:sldMk cId="1647112991" sldId="723"/>
+            <ac:spMk id="20" creationId="{AAFA783D-FF3C-4A47-948C-AC911BA0A951}"/>
+          </ac:spMkLst>
+        </pc:spChg>
+        <pc:spChg chg="del">
+          <ac:chgData name="星榜 阮" userId="28304402c46bfd64" providerId="LiveId" clId="{82F1D5D2-16EF-40BA-A596-2A0AB81C9FF0}" dt="2023-11-07T07:26:49.185" v="525" actId="478"/>
+          <ac:spMkLst>
+            <pc:docMk/>
+            <pc:sldMk cId="1647112991" sldId="723"/>
+            <ac:spMk id="21" creationId="{A020AA33-3B11-49F4-847A-665F880C4E1E}"/>
+          </ac:spMkLst>
+        </pc:spChg>
+        <pc:spChg chg="mod">
+          <ac:chgData name="星榜 阮" userId="28304402c46bfd64" providerId="LiveId" clId="{82F1D5D2-16EF-40BA-A596-2A0AB81C9FF0}" dt="2023-11-07T07:27:27.087" v="531" actId="14100"/>
+          <ac:spMkLst>
+            <pc:docMk/>
+            <pc:sldMk cId="1647112991" sldId="723"/>
+            <ac:spMk id="32" creationId="{213CCCC7-726C-624F-8A31-1AD319752801}"/>
+          </ac:spMkLst>
+        </pc:spChg>
+        <pc:picChg chg="add mod">
+          <ac:chgData name="星榜 阮" userId="28304402c46bfd64" providerId="LiveId" clId="{82F1D5D2-16EF-40BA-A596-2A0AB81C9FF0}" dt="2023-11-07T07:27:52.952" v="536" actId="1076"/>
+          <ac:picMkLst>
+            <pc:docMk/>
+            <pc:sldMk cId="1647112991" sldId="723"/>
+            <ac:picMk id="12" creationId="{2C035FFF-04E2-4D42-8ECE-2483D716995F}"/>
+          </ac:picMkLst>
+        </pc:picChg>
+        <pc:picChg chg="add mod">
+          <ac:chgData name="星榜 阮" userId="28304402c46bfd64" providerId="LiveId" clId="{82F1D5D2-16EF-40BA-A596-2A0AB81C9FF0}" dt="2023-11-07T07:29:03.509" v="542" actId="962"/>
+          <ac:picMkLst>
+            <pc:docMk/>
+            <pc:sldMk cId="1647112991" sldId="723"/>
+            <ac:picMk id="26" creationId="{1242E9DB-5FC8-3F3A-2762-930D62623B43}"/>
+          </ac:picMkLst>
+        </pc:picChg>
+        <pc:cxnChg chg="del">
+          <ac:chgData name="星榜 阮" userId="28304402c46bfd64" providerId="LiveId" clId="{82F1D5D2-16EF-40BA-A596-2A0AB81C9FF0}" dt="2023-11-07T07:26:49.185" v="525" actId="478"/>
+          <ac:cxnSpMkLst>
+            <pc:docMk/>
+            <pc:sldMk cId="1647112991" sldId="723"/>
+            <ac:cxnSpMk id="22" creationId="{6AB72F2D-4C42-4F46-9BF8-BD74FC5535F5}"/>
+          </ac:cxnSpMkLst>
+        </pc:cxnChg>
+        <pc:cxnChg chg="del">
+          <ac:chgData name="星榜 阮" userId="28304402c46bfd64" providerId="LiveId" clId="{82F1D5D2-16EF-40BA-A596-2A0AB81C9FF0}" dt="2023-11-07T07:26:49.185" v="525" actId="478"/>
+          <ac:cxnSpMkLst>
+            <pc:docMk/>
+            <pc:sldMk cId="1647112991" sldId="723"/>
+            <ac:cxnSpMk id="23" creationId="{74A5ABFD-0A3B-434C-AE93-2C83E38C7381}"/>
+          </ac:cxnSpMkLst>
+        </pc:cxnChg>
+        <pc:cxnChg chg="del">
+          <ac:chgData name="星榜 阮" userId="28304402c46bfd64" providerId="LiveId" clId="{82F1D5D2-16EF-40BA-A596-2A0AB81C9FF0}" dt="2023-11-07T07:26:49.185" v="525" actId="478"/>
+          <ac:cxnSpMkLst>
+            <pc:docMk/>
+            <pc:sldMk cId="1647112991" sldId="723"/>
+            <ac:cxnSpMk id="24" creationId="{96CDC58F-94AC-4D0D-85B0-D973C48FFA77}"/>
+          </ac:cxnSpMkLst>
+        </pc:cxnChg>
       </pc:sldChg>
       <pc:sldChg chg="add del">
         <pc:chgData name="星榜 阮" userId="28304402c46bfd64" providerId="LiveId" clId="{82F1D5D2-16EF-40BA-A596-2A0AB81C9FF0}" dt="2023-10-31T03:50:17.979" v="41"/>
@@ -28447,6 +28685,680 @@
       </p:grpSpPr>
       <p:sp>
         <p:nvSpPr>
+          <p:cNvPr id="2" name="矩形: 圆角 1">
+            <a:extLst>
+              <a:ext uri="{FF2B5EF4-FFF2-40B4-BE49-F238E27FC236}">
+                <a16:creationId xmlns:a16="http://schemas.microsoft.com/office/drawing/2014/main" id="{86996E1D-90BB-4733-B2D8-B1132D2D2D1D}"/>
+              </a:ext>
+            </a:extLst>
+          </p:cNvPr>
+          <p:cNvSpPr/>
+          <p:nvPr/>
+        </p:nvSpPr>
+        <p:spPr>
+          <a:xfrm>
+            <a:off x="1691734" y="1436915"/>
+            <a:ext cx="914213" cy="4740366"/>
+          </a:xfrm>
+          <a:prstGeom prst="roundRect">
+            <a:avLst>
+              <a:gd name="adj" fmla="val 6667"/>
+            </a:avLst>
+          </a:prstGeom>
+          <a:noFill/>
+          <a:ln>
+            <a:solidFill>
+              <a:schemeClr val="bg1">
+                <a:alpha val="15000"/>
+              </a:schemeClr>
+            </a:solidFill>
+          </a:ln>
+        </p:spPr>
+        <p:style>
+          <a:lnRef idx="2">
+            <a:schemeClr val="accent1">
+              <a:shade val="50000"/>
+            </a:schemeClr>
+          </a:lnRef>
+          <a:fillRef idx="1">
+            <a:schemeClr val="accent1"/>
+          </a:fillRef>
+          <a:effectRef idx="0">
+            <a:schemeClr val="accent1"/>
+          </a:effectRef>
+          <a:fontRef idx="minor">
+            <a:schemeClr val="lt1"/>
+          </a:fontRef>
+        </p:style>
+        <p:txBody>
+          <a:bodyPr rtlCol="0" anchor="ctr"/>
+          <a:lstStyle/>
+          <a:p>
+            <a:pPr algn="ctr"/>
+            <a:endParaRPr lang="zh-CN" altLang="en-US" dirty="0">
+              <a:solidFill>
+                <a:schemeClr val="tx1"/>
+              </a:solidFill>
+              <a:latin typeface="微软雅黑" panose="020B0503020204020204" pitchFamily="34" charset="-122"/>
+              <a:ea typeface="微软雅黑" panose="020B0503020204020204" pitchFamily="34" charset="-122"/>
+            </a:endParaRPr>
+          </a:p>
+        </p:txBody>
+      </p:sp>
+      <p:grpSp>
+        <p:nvGrpSpPr>
+          <p:cNvPr id="3" name="组合 2">
+            <a:extLst>
+              <a:ext uri="{FF2B5EF4-FFF2-40B4-BE49-F238E27FC236}">
+                <a16:creationId xmlns:a16="http://schemas.microsoft.com/office/drawing/2014/main" id="{37CC96BA-CE1F-DA45-8469-5F8B98802281}"/>
+              </a:ext>
+            </a:extLst>
+          </p:cNvPr>
+          <p:cNvGrpSpPr/>
+          <p:nvPr/>
+        </p:nvGrpSpPr>
+        <p:grpSpPr>
+          <a:xfrm>
+            <a:off x="636565" y="360040"/>
+            <a:ext cx="10918871" cy="830997"/>
+            <a:chOff x="636565" y="360040"/>
+            <a:chExt cx="10918871" cy="830997"/>
+          </a:xfrm>
+        </p:grpSpPr>
+        <p:cxnSp>
+          <p:nvCxnSpPr>
+            <p:cNvPr id="28" name="直接连接符 1">
+              <a:extLst>
+                <a:ext uri="{FF2B5EF4-FFF2-40B4-BE49-F238E27FC236}">
+                  <a16:creationId xmlns:a16="http://schemas.microsoft.com/office/drawing/2014/main" id="{1323A0B9-1943-5247-BF3D-B348587EFBAD}"/>
+                </a:ext>
+              </a:extLst>
+            </p:cNvPr>
+            <p:cNvCxnSpPr>
+              <a:cxnSpLocks/>
+            </p:cNvCxnSpPr>
+            <p:nvPr/>
+          </p:nvCxnSpPr>
+          <p:spPr>
+            <a:xfrm>
+              <a:off x="636565" y="1010549"/>
+              <a:ext cx="10918871" cy="0"/>
+            </a:xfrm>
+            <a:prstGeom prst="line">
+              <a:avLst/>
+            </a:prstGeom>
+            <a:ln w="12700">
+              <a:solidFill>
+                <a:schemeClr val="bg1">
+                  <a:lumMod val="50000"/>
+                </a:schemeClr>
+              </a:solidFill>
+            </a:ln>
+          </p:spPr>
+          <p:style>
+            <a:lnRef idx="1">
+              <a:schemeClr val="accent1"/>
+            </a:lnRef>
+            <a:fillRef idx="0">
+              <a:schemeClr val="accent1"/>
+            </a:fillRef>
+            <a:effectRef idx="0">
+              <a:schemeClr val="accent1"/>
+            </a:effectRef>
+            <a:fontRef idx="minor">
+              <a:schemeClr val="tx1"/>
+            </a:fontRef>
+          </p:style>
+        </p:cxnSp>
+        <p:grpSp>
+          <p:nvGrpSpPr>
+            <p:cNvPr id="29" name="Group 4">
+              <a:extLst>
+                <a:ext uri="{FF2B5EF4-FFF2-40B4-BE49-F238E27FC236}">
+                  <a16:creationId xmlns:a16="http://schemas.microsoft.com/office/drawing/2014/main" id="{1B651153-F8EA-DF4D-857F-51D0FF58C59F}"/>
+                </a:ext>
+              </a:extLst>
+            </p:cNvPr>
+            <p:cNvGrpSpPr>
+              <a:grpSpLocks noChangeAspect="1"/>
+            </p:cNvGrpSpPr>
+            <p:nvPr/>
+          </p:nvGrpSpPr>
+          <p:grpSpPr bwMode="auto">
+            <a:xfrm>
+              <a:off x="760660" y="387081"/>
+              <a:ext cx="483760" cy="420748"/>
+              <a:chOff x="2111" y="-891"/>
+              <a:chExt cx="1343" cy="816"/>
+            </a:xfrm>
+            <a:solidFill>
+              <a:schemeClr val="accent2"/>
+            </a:solidFill>
+          </p:grpSpPr>
+          <p:sp>
+            <p:nvSpPr>
+              <p:cNvPr id="30" name="Freeform 5">
+                <a:extLst>
+                  <a:ext uri="{FF2B5EF4-FFF2-40B4-BE49-F238E27FC236}">
+                    <a16:creationId xmlns:a16="http://schemas.microsoft.com/office/drawing/2014/main" id="{A7920196-B0DC-9C46-B718-E83CBC2C210B}"/>
+                  </a:ext>
+                </a:extLst>
+              </p:cNvPr>
+              <p:cNvSpPr>
+                <a:spLocks/>
+              </p:cNvSpPr>
+              <p:nvPr/>
+            </p:nvSpPr>
+            <p:spPr bwMode="auto">
+              <a:xfrm>
+                <a:off x="2737" y="-891"/>
+                <a:ext cx="717" cy="816"/>
+              </a:xfrm>
+              <a:custGeom>
+                <a:avLst/>
+                <a:gdLst>
+                  <a:gd name="T0" fmla="*/ 406 w 717"/>
+                  <a:gd name="T1" fmla="*/ 407 h 816"/>
+                  <a:gd name="T2" fmla="*/ 0 w 717"/>
+                  <a:gd name="T3" fmla="*/ 816 h 816"/>
+                  <a:gd name="T4" fmla="*/ 310 w 717"/>
+                  <a:gd name="T5" fmla="*/ 816 h 816"/>
+                  <a:gd name="T6" fmla="*/ 717 w 717"/>
+                  <a:gd name="T7" fmla="*/ 407 h 816"/>
+                  <a:gd name="T8" fmla="*/ 310 w 717"/>
+                  <a:gd name="T9" fmla="*/ 0 h 816"/>
+                  <a:gd name="T10" fmla="*/ 0 w 717"/>
+                  <a:gd name="T11" fmla="*/ 0 h 816"/>
+                  <a:gd name="T12" fmla="*/ 406 w 717"/>
+                  <a:gd name="T13" fmla="*/ 407 h 816"/>
+                </a:gdLst>
+                <a:ahLst/>
+                <a:cxnLst>
+                  <a:cxn ang="0">
+                    <a:pos x="T0" y="T1"/>
+                  </a:cxn>
+                  <a:cxn ang="0">
+                    <a:pos x="T2" y="T3"/>
+                  </a:cxn>
+                  <a:cxn ang="0">
+                    <a:pos x="T4" y="T5"/>
+                  </a:cxn>
+                  <a:cxn ang="0">
+                    <a:pos x="T6" y="T7"/>
+                  </a:cxn>
+                  <a:cxn ang="0">
+                    <a:pos x="T8" y="T9"/>
+                  </a:cxn>
+                  <a:cxn ang="0">
+                    <a:pos x="T10" y="T11"/>
+                  </a:cxn>
+                  <a:cxn ang="0">
+                    <a:pos x="T12" y="T13"/>
+                  </a:cxn>
+                </a:cxnLst>
+                <a:rect l="0" t="0" r="r" b="b"/>
+                <a:pathLst>
+                  <a:path w="717" h="816">
+                    <a:moveTo>
+                      <a:pt x="406" y="407"/>
+                    </a:moveTo>
+                    <a:lnTo>
+                      <a:pt x="0" y="816"/>
+                    </a:lnTo>
+                    <a:lnTo>
+                      <a:pt x="310" y="816"/>
+                    </a:lnTo>
+                    <a:lnTo>
+                      <a:pt x="717" y="407"/>
+                    </a:lnTo>
+                    <a:lnTo>
+                      <a:pt x="310" y="0"/>
+                    </a:lnTo>
+                    <a:lnTo>
+                      <a:pt x="0" y="0"/>
+                    </a:lnTo>
+                    <a:lnTo>
+                      <a:pt x="406" y="407"/>
+                    </a:lnTo>
+                    <a:close/>
+                  </a:path>
+                </a:pathLst>
+              </a:custGeom>
+              <a:grpFill/>
+              <a:ln>
+                <a:noFill/>
+              </a:ln>
+              <a:effectLst>
+                <a:outerShdw blurRad="63500" algn="ctr" rotWithShape="0">
+                  <a:prstClr val="black">
+                    <a:alpha val="40000"/>
+                  </a:prstClr>
+                </a:outerShdw>
+              </a:effectLst>
+            </p:spPr>
+            <p:style>
+              <a:lnRef idx="2">
+                <a:schemeClr val="accent1">
+                  <a:shade val="50000"/>
+                </a:schemeClr>
+              </a:lnRef>
+              <a:fillRef idx="1">
+                <a:schemeClr val="accent1"/>
+              </a:fillRef>
+              <a:effectRef idx="0">
+                <a:schemeClr val="accent1"/>
+              </a:effectRef>
+              <a:fontRef idx="minor">
+                <a:schemeClr val="lt1"/>
+              </a:fontRef>
+            </p:style>
+            <p:txBody>
+              <a:bodyPr rot="0" spcFirstLastPara="0" vertOverflow="overflow" horzOverflow="overflow" vert="horz" wrap="square" lIns="91440" tIns="45720" rIns="91440" bIns="45720" numCol="1" spcCol="0" rtlCol="0" fromWordArt="0" anchor="ctr" anchorCtr="0" forceAA="0" compatLnSpc="1">
+                <a:prstTxWarp prst="textNoShape">
+                  <a:avLst/>
+                </a:prstTxWarp>
+                <a:noAutofit/>
+              </a:bodyPr>
+              <a:lstStyle/>
+              <a:p>
+                <a:pPr marL="0" marR="0" lvl="0" indent="0" algn="ctr" defTabSz="457200" rtl="0" eaLnBrk="1" fontAlgn="auto" latinLnBrk="0" hangingPunct="1">
+                  <a:lnSpc>
+                    <a:spcPct val="100000"/>
+                  </a:lnSpc>
+                  <a:spcBef>
+                    <a:spcPts val="0"/>
+                  </a:spcBef>
+                  <a:spcAft>
+                    <a:spcPts val="0"/>
+                  </a:spcAft>
+                  <a:buClrTx/>
+                  <a:buSzTx/>
+                  <a:buFontTx/>
+                  <a:buNone/>
+                  <a:tabLst/>
+                  <a:defRPr/>
+                </a:pPr>
+                <a:endParaRPr kumimoji="0" lang="zh-CN" altLang="en-US" sz="1800" b="0" i="0" u="none" strike="noStrike" kern="1200" cap="none" spc="0" normalizeH="0" baseline="0" noProof="0">
+                  <a:ln>
+                    <a:noFill/>
+                  </a:ln>
+                  <a:solidFill>
+                    <a:srgbClr val="FFFFFF"/>
+                  </a:solidFill>
+                  <a:effectLst/>
+                  <a:uLnTx/>
+                  <a:uFillTx/>
+                  <a:latin typeface="Century Gothic" panose="020F0502020204030204"/>
+                  <a:ea typeface="思源黑体 CN Bold"/>
+                  <a:cs typeface="+mn-ea"/>
+                </a:endParaRPr>
+              </a:p>
+            </p:txBody>
+          </p:sp>
+          <p:sp>
+            <p:nvSpPr>
+              <p:cNvPr id="31" name="Freeform 6">
+                <a:extLst>
+                  <a:ext uri="{FF2B5EF4-FFF2-40B4-BE49-F238E27FC236}">
+                    <a16:creationId xmlns:a16="http://schemas.microsoft.com/office/drawing/2014/main" id="{B9F5A7A9-6C5D-7D48-8529-BA93C003C442}"/>
+                  </a:ext>
+                </a:extLst>
+              </p:cNvPr>
+              <p:cNvSpPr>
+                <a:spLocks/>
+              </p:cNvSpPr>
+              <p:nvPr/>
+            </p:nvSpPr>
+            <p:spPr bwMode="auto">
+              <a:xfrm>
+                <a:off x="2111" y="-891"/>
+                <a:ext cx="717" cy="816"/>
+              </a:xfrm>
+              <a:custGeom>
+                <a:avLst/>
+                <a:gdLst>
+                  <a:gd name="T0" fmla="*/ 407 w 717"/>
+                  <a:gd name="T1" fmla="*/ 407 h 816"/>
+                  <a:gd name="T2" fmla="*/ 0 w 717"/>
+                  <a:gd name="T3" fmla="*/ 816 h 816"/>
+                  <a:gd name="T4" fmla="*/ 311 w 717"/>
+                  <a:gd name="T5" fmla="*/ 816 h 816"/>
+                  <a:gd name="T6" fmla="*/ 717 w 717"/>
+                  <a:gd name="T7" fmla="*/ 407 h 816"/>
+                  <a:gd name="T8" fmla="*/ 311 w 717"/>
+                  <a:gd name="T9" fmla="*/ 0 h 816"/>
+                  <a:gd name="T10" fmla="*/ 0 w 717"/>
+                  <a:gd name="T11" fmla="*/ 0 h 816"/>
+                  <a:gd name="T12" fmla="*/ 407 w 717"/>
+                  <a:gd name="T13" fmla="*/ 407 h 816"/>
+                </a:gdLst>
+                <a:ahLst/>
+                <a:cxnLst>
+                  <a:cxn ang="0">
+                    <a:pos x="T0" y="T1"/>
+                  </a:cxn>
+                  <a:cxn ang="0">
+                    <a:pos x="T2" y="T3"/>
+                  </a:cxn>
+                  <a:cxn ang="0">
+                    <a:pos x="T4" y="T5"/>
+                  </a:cxn>
+                  <a:cxn ang="0">
+                    <a:pos x="T6" y="T7"/>
+                  </a:cxn>
+                  <a:cxn ang="0">
+                    <a:pos x="T8" y="T9"/>
+                  </a:cxn>
+                  <a:cxn ang="0">
+                    <a:pos x="T10" y="T11"/>
+                  </a:cxn>
+                  <a:cxn ang="0">
+                    <a:pos x="T12" y="T13"/>
+                  </a:cxn>
+                </a:cxnLst>
+                <a:rect l="0" t="0" r="r" b="b"/>
+                <a:pathLst>
+                  <a:path w="717" h="816">
+                    <a:moveTo>
+                      <a:pt x="407" y="407"/>
+                    </a:moveTo>
+                    <a:lnTo>
+                      <a:pt x="0" y="816"/>
+                    </a:lnTo>
+                    <a:lnTo>
+                      <a:pt x="311" y="816"/>
+                    </a:lnTo>
+                    <a:lnTo>
+                      <a:pt x="717" y="407"/>
+                    </a:lnTo>
+                    <a:lnTo>
+                      <a:pt x="311" y="0"/>
+                    </a:lnTo>
+                    <a:lnTo>
+                      <a:pt x="0" y="0"/>
+                    </a:lnTo>
+                    <a:lnTo>
+                      <a:pt x="407" y="407"/>
+                    </a:lnTo>
+                    <a:close/>
+                  </a:path>
+                </a:pathLst>
+              </a:custGeom>
+              <a:grpFill/>
+              <a:ln>
+                <a:noFill/>
+              </a:ln>
+              <a:effectLst>
+                <a:outerShdw blurRad="63500" algn="ctr" rotWithShape="0">
+                  <a:prstClr val="black">
+                    <a:alpha val="40000"/>
+                  </a:prstClr>
+                </a:outerShdw>
+              </a:effectLst>
+            </p:spPr>
+            <p:style>
+              <a:lnRef idx="2">
+                <a:schemeClr val="accent1">
+                  <a:shade val="50000"/>
+                </a:schemeClr>
+              </a:lnRef>
+              <a:fillRef idx="1">
+                <a:schemeClr val="accent1"/>
+              </a:fillRef>
+              <a:effectRef idx="0">
+                <a:schemeClr val="accent1"/>
+              </a:effectRef>
+              <a:fontRef idx="minor">
+                <a:schemeClr val="lt1"/>
+              </a:fontRef>
+            </p:style>
+            <p:txBody>
+              <a:bodyPr rot="0" spcFirstLastPara="0" vertOverflow="overflow" horzOverflow="overflow" vert="horz" wrap="square" lIns="91440" tIns="45720" rIns="91440" bIns="45720" numCol="1" spcCol="0" rtlCol="0" fromWordArt="0" anchor="ctr" anchorCtr="0" forceAA="0" compatLnSpc="1">
+                <a:prstTxWarp prst="textNoShape">
+                  <a:avLst/>
+                </a:prstTxWarp>
+                <a:noAutofit/>
+              </a:bodyPr>
+              <a:lstStyle/>
+              <a:p>
+                <a:pPr marL="0" marR="0" lvl="0" indent="0" algn="ctr" defTabSz="457200" rtl="0" eaLnBrk="1" fontAlgn="auto" latinLnBrk="0" hangingPunct="1">
+                  <a:lnSpc>
+                    <a:spcPct val="100000"/>
+                  </a:lnSpc>
+                  <a:spcBef>
+                    <a:spcPts val="0"/>
+                  </a:spcBef>
+                  <a:spcAft>
+                    <a:spcPts val="0"/>
+                  </a:spcAft>
+                  <a:buClrTx/>
+                  <a:buSzTx/>
+                  <a:buFontTx/>
+                  <a:buNone/>
+                  <a:tabLst/>
+                  <a:defRPr/>
+                </a:pPr>
+                <a:endParaRPr kumimoji="0" lang="zh-CN" altLang="en-US" sz="1800" b="0" i="0" u="none" strike="noStrike" kern="1200" cap="none" spc="0" normalizeH="0" baseline="0" noProof="0">
+                  <a:ln>
+                    <a:noFill/>
+                  </a:ln>
+                  <a:solidFill>
+                    <a:srgbClr val="FFFFFF"/>
+                  </a:solidFill>
+                  <a:effectLst/>
+                  <a:uLnTx/>
+                  <a:uFillTx/>
+                  <a:latin typeface="Century Gothic" panose="020F0502020204030204"/>
+                  <a:ea typeface="思源黑体 CN Bold"/>
+                  <a:cs typeface="+mn-ea"/>
+                </a:endParaRPr>
+              </a:p>
+            </p:txBody>
+          </p:sp>
+        </p:grpSp>
+        <p:sp>
+          <p:nvSpPr>
+            <p:cNvPr id="32" name="文本框 31">
+              <a:extLst>
+                <a:ext uri="{FF2B5EF4-FFF2-40B4-BE49-F238E27FC236}">
+                  <a16:creationId xmlns:a16="http://schemas.microsoft.com/office/drawing/2014/main" id="{213CCCC7-726C-624F-8A31-1AD319752801}"/>
+                </a:ext>
+              </a:extLst>
+            </p:cNvPr>
+            <p:cNvSpPr txBox="1"/>
+            <p:nvPr/>
+          </p:nvSpPr>
+          <p:spPr>
+            <a:xfrm>
+              <a:off x="1469911" y="360040"/>
+              <a:ext cx="3366950" cy="830997"/>
+            </a:xfrm>
+            <a:prstGeom prst="rect">
+              <a:avLst/>
+            </a:prstGeom>
+            <a:noFill/>
+          </p:spPr>
+          <p:txBody>
+            <a:bodyPr wrap="square" rtlCol="0">
+              <a:spAutoFit/>
+            </a:bodyPr>
+            <a:lstStyle/>
+            <a:p>
+              <a:pPr marL="0" marR="0" lvl="0" indent="0" algn="dist" defTabSz="914400" rtl="0" eaLnBrk="1" fontAlgn="auto" latinLnBrk="0" hangingPunct="1">
+                <a:lnSpc>
+                  <a:spcPct val="100000"/>
+                </a:lnSpc>
+                <a:spcBef>
+                  <a:spcPts val="0"/>
+                </a:spcBef>
+                <a:spcAft>
+                  <a:spcPts val="0"/>
+                </a:spcAft>
+                <a:buClrTx/>
+                <a:buSzTx/>
+                <a:buFontTx/>
+                <a:buNone/>
+                <a:tabLst/>
+                <a:defRPr/>
+              </a:pPr>
+              <a:r>
+                <a:rPr kumimoji="0" lang="zh-CN" altLang="en-US" sz="2400" b="1" i="0" u="none" strike="noStrike" kern="1200" cap="none" spc="0" normalizeH="0" baseline="0" noProof="0" dirty="0">
+                  <a:ln>
+                    <a:noFill/>
+                  </a:ln>
+                  <a:solidFill>
+                    <a:srgbClr val="3F3F3F"/>
+                  </a:solidFill>
+                  <a:effectLst/>
+                  <a:uLnTx/>
+                  <a:uFillTx/>
+                  <a:latin typeface="Microsoft YaHei" panose="020B0503020204020204" pitchFamily="34" charset="-122"/>
+                  <a:ea typeface="Microsoft YaHei" panose="020B0503020204020204" pitchFamily="34" charset="-122"/>
+                  <a:cs typeface="+mn-ea"/>
+                </a:rPr>
+                <a:t>小组成员分工及评价</a:t>
+              </a:r>
+            </a:p>
+            <a:p>
+              <a:pPr marL="0" marR="0" lvl="0" indent="0" algn="dist" defTabSz="914400" rtl="0" eaLnBrk="1" fontAlgn="auto" latinLnBrk="0" hangingPunct="1">
+                <a:lnSpc>
+                  <a:spcPct val="100000"/>
+                </a:lnSpc>
+                <a:spcBef>
+                  <a:spcPts val="0"/>
+                </a:spcBef>
+                <a:spcAft>
+                  <a:spcPts val="0"/>
+                </a:spcAft>
+                <a:buClrTx/>
+                <a:buSzTx/>
+                <a:buFontTx/>
+                <a:buNone/>
+                <a:tabLst/>
+                <a:defRPr/>
+              </a:pPr>
+              <a:endParaRPr kumimoji="0" lang="zh-CN" altLang="en-US" sz="2400" b="1" i="0" u="none" strike="noStrike" kern="1200" cap="none" spc="0" normalizeH="0" baseline="0" noProof="0" dirty="0">
+                <a:ln>
+                  <a:noFill/>
+                </a:ln>
+                <a:solidFill>
+                  <a:srgbClr val="3F3F3F"/>
+                </a:solidFill>
+                <a:effectLst/>
+                <a:uLnTx/>
+                <a:uFillTx/>
+                <a:latin typeface="Microsoft YaHei" panose="020B0503020204020204" pitchFamily="34" charset="-122"/>
+                <a:ea typeface="Microsoft YaHei" panose="020B0503020204020204" pitchFamily="34" charset="-122"/>
+                <a:cs typeface="+mn-ea"/>
+              </a:endParaRPr>
+            </a:p>
+          </p:txBody>
+        </p:sp>
+      </p:grpSp>
+      <p:pic>
+        <p:nvPicPr>
+          <p:cNvPr id="12" name="图片 11" descr="图形用户界面, 文本&#10;&#10;描述已自动生成">
+            <a:extLst>
+              <a:ext uri="{FF2B5EF4-FFF2-40B4-BE49-F238E27FC236}">
+                <a16:creationId xmlns:a16="http://schemas.microsoft.com/office/drawing/2014/main" id="{2C035FFF-04E2-4D42-8ECE-2483D716995F}"/>
+              </a:ext>
+            </a:extLst>
+          </p:cNvPr>
+          <p:cNvPicPr>
+            <a:picLocks noChangeAspect="1"/>
+          </p:cNvPicPr>
+          <p:nvPr/>
+        </p:nvPicPr>
+        <p:blipFill>
+          <a:blip r:embed="rId2">
+            <a:extLst>
+              <a:ext uri="{28A0092B-C50C-407E-A947-70E740481C1C}">
+                <a14:useLocalDpi xmlns:a14="http://schemas.microsoft.com/office/drawing/2010/main" val="0"/>
+              </a:ext>
+            </a:extLst>
+          </a:blip>
+          <a:stretch>
+            <a:fillRect/>
+          </a:stretch>
+        </p:blipFill>
+        <p:spPr>
+          <a:xfrm>
+            <a:off x="5821344" y="1222054"/>
+            <a:ext cx="5734092" cy="5086387"/>
+          </a:xfrm>
+          <a:prstGeom prst="rect">
+            <a:avLst/>
+          </a:prstGeom>
+        </p:spPr>
+      </p:pic>
+      <p:pic>
+        <p:nvPicPr>
+          <p:cNvPr id="26" name="图片 25" descr="图形用户界面, 文本, 应用程序, 聊天或短信">
+            <a:extLst>
+              <a:ext uri="{FF2B5EF4-FFF2-40B4-BE49-F238E27FC236}">
+                <a16:creationId xmlns:a16="http://schemas.microsoft.com/office/drawing/2014/main" id="{1242E9DB-5FC8-3F3A-2762-930D62623B43}"/>
+              </a:ext>
+            </a:extLst>
+          </p:cNvPr>
+          <p:cNvPicPr>
+            <a:picLocks noChangeAspect="1"/>
+          </p:cNvPicPr>
+          <p:nvPr/>
+        </p:nvPicPr>
+        <p:blipFill>
+          <a:blip r:embed="rId3">
+            <a:extLst>
+              <a:ext uri="{28A0092B-C50C-407E-A947-70E740481C1C}">
+                <a14:useLocalDpi xmlns:a14="http://schemas.microsoft.com/office/drawing/2010/main" val="0"/>
+              </a:ext>
+            </a:extLst>
+          </a:blip>
+          <a:stretch>
+            <a:fillRect/>
+          </a:stretch>
+        </p:blipFill>
+        <p:spPr>
+          <a:xfrm>
+            <a:off x="211078" y="1256428"/>
+            <a:ext cx="5610266" cy="3433788"/>
+          </a:xfrm>
+          <a:prstGeom prst="rect">
+            <a:avLst/>
+          </a:prstGeom>
+        </p:spPr>
+      </p:pic>
+    </p:spTree>
+    <p:extLst>
+      <p:ext uri="{BB962C8B-B14F-4D97-AF65-F5344CB8AC3E}">
+        <p14:creationId xmlns:p14="http://schemas.microsoft.com/office/powerpoint/2010/main" val="1647112991"/>
+      </p:ext>
+    </p:extLst>
+  </p:cSld>
+  <p:clrMapOvr>
+    <a:masterClrMapping/>
+  </p:clrMapOvr>
+</p:sld>
+</file>
+
+<file path=ppt/slides/slide21.xml><?xml version="1.0" encoding="utf-8"?>
+<p:sld xmlns:a="http://schemas.openxmlformats.org/drawingml/2006/main" xmlns:r="http://schemas.openxmlformats.org/officeDocument/2006/relationships" xmlns:p="http://schemas.openxmlformats.org/presentationml/2006/main">
+  <p:cSld>
+    <p:spTree>
+      <p:nvGrpSpPr>
+        <p:cNvPr id="1" name=""/>
+        <p:cNvGrpSpPr/>
+        <p:nvPr/>
+      </p:nvGrpSpPr>
+      <p:grpSpPr>
+        <a:xfrm>
+          <a:off x="0" y="0"/>
+          <a:ext cx="0" cy="0"/>
+          <a:chOff x="0" y="0"/>
+          <a:chExt cx="0" cy="0"/>
+        </a:xfrm>
+      </p:grpSpPr>
+      <p:sp>
+        <p:nvSpPr>
           <p:cNvPr id="3" name="文本框 2">
             <a:extLst>
               <a:ext uri="{FF2B5EF4-FFF2-40B4-BE49-F238E27FC236}">
@@ -28687,7 +29599,7 @@
         </p:nvSpPr>
         <p:spPr>
           <a:xfrm>
-            <a:off x="565971" y="3737089"/>
+            <a:off x="565971" y="3597561"/>
             <a:ext cx="2431752" cy="858377"/>
           </a:xfrm>
           <a:prstGeom prst="rect">
@@ -28995,7 +29907,7 @@
         </p:nvSpPr>
         <p:spPr>
           <a:xfrm>
-            <a:off x="3253125" y="3707030"/>
+            <a:off x="3253125" y="3601901"/>
             <a:ext cx="2537607" cy="858377"/>
           </a:xfrm>
           <a:prstGeom prst="rect">
@@ -29323,7 +30235,7 @@
         </p:nvSpPr>
         <p:spPr>
           <a:xfrm>
-            <a:off x="6291619" y="3384856"/>
+            <a:off x="6291619" y="3656156"/>
             <a:ext cx="2396630" cy="442878"/>
           </a:xfrm>
           <a:prstGeom prst="rect">
@@ -30268,7 +31180,7 @@
         </p:nvSpPr>
         <p:spPr>
           <a:xfrm>
-            <a:off x="9098529" y="3417763"/>
+            <a:off x="9124005" y="3472945"/>
             <a:ext cx="2541401" cy="1273875"/>
           </a:xfrm>
           <a:prstGeom prst="rect">
@@ -30736,7 +31648,7 @@
 </p:sld>
 </file>
 
-<file path=ppt/slides/slide21.xml><?xml version="1.0" encoding="utf-8"?>
+<file path=ppt/slides/slide22.xml><?xml version="1.0" encoding="utf-8"?>
 <p:sld xmlns:a="http://schemas.openxmlformats.org/drawingml/2006/main" xmlns:r="http://schemas.openxmlformats.org/officeDocument/2006/relationships" xmlns:p="http://schemas.openxmlformats.org/presentationml/2006/main">
   <p:cSld>
     <p:spTree>
